--- a/Фурье-обработка цифровых изображений.pptx
+++ b/Фурье-обработка цифровых изображений.pptx
@@ -227,7 +227,7 @@
           <a:p>
             <a:fld id="{C6D9D0F6-0CFF-4E50-A808-252F8FA1C906}" type="datetimeFigureOut">
               <a:rPr lang="ru-RU" smtClean="0"/>
-              <a:t>29.08.2015</a:t>
+              <a:t>04.09.2015</a:t>
             </a:fld>
             <a:endParaRPr lang="ru-RU"/>
           </a:p>
@@ -987,7 +987,7 @@
           <a:p>
             <a:fld id="{86C57080-FFB0-4981-8CAD-2101F357659F}" type="datetime1">
               <a:rPr lang="ru-RU" smtClean="0"/>
-              <a:t>29.08.2015</a:t>
+              <a:t>04.09.2015</a:t>
             </a:fld>
             <a:endParaRPr lang="ru-RU"/>
           </a:p>
@@ -1171,7 +1171,7 @@
           <a:p>
             <a:fld id="{86C57080-FFB0-4981-8CAD-2101F357659F}" type="datetime1">
               <a:rPr lang="ru-RU" smtClean="0"/>
-              <a:t>29.08.2015</a:t>
+              <a:t>04.09.2015</a:t>
             </a:fld>
             <a:endParaRPr lang="ru-RU"/>
           </a:p>
@@ -1356,7 +1356,7 @@
           <a:p>
             <a:fld id="{86C57080-FFB0-4981-8CAD-2101F357659F}" type="datetime1">
               <a:rPr lang="ru-RU" smtClean="0"/>
-              <a:t>29.08.2015</a:t>
+              <a:t>04.09.2015</a:t>
             </a:fld>
             <a:endParaRPr lang="ru-RU"/>
           </a:p>
@@ -1531,7 +1531,7 @@
           <a:p>
             <a:fld id="{86C57080-FFB0-4981-8CAD-2101F357659F}" type="datetime1">
               <a:rPr lang="ru-RU" smtClean="0"/>
-              <a:t>29.08.2015</a:t>
+              <a:t>04.09.2015</a:t>
             </a:fld>
             <a:endParaRPr lang="ru-RU"/>
           </a:p>
@@ -1849,7 +1849,7 @@
           <a:p>
             <a:fld id="{86C57080-FFB0-4981-8CAD-2101F357659F}" type="datetime1">
               <a:rPr lang="ru-RU" smtClean="0"/>
-              <a:t>29.08.2015</a:t>
+              <a:t>04.09.2015</a:t>
             </a:fld>
             <a:endParaRPr lang="ru-RU"/>
           </a:p>
@@ -2240,7 +2240,7 @@
           <a:p>
             <a:fld id="{86C57080-FFB0-4981-8CAD-2101F357659F}" type="datetime1">
               <a:rPr lang="ru-RU" smtClean="0"/>
-              <a:t>29.08.2015</a:t>
+              <a:t>04.09.2015</a:t>
             </a:fld>
             <a:endParaRPr lang="ru-RU"/>
           </a:p>
@@ -2679,7 +2679,7 @@
           <a:p>
             <a:fld id="{86C57080-FFB0-4981-8CAD-2101F357659F}" type="datetime1">
               <a:rPr lang="ru-RU" smtClean="0"/>
-              <a:t>29.08.2015</a:t>
+              <a:t>04.09.2015</a:t>
             </a:fld>
             <a:endParaRPr lang="ru-RU"/>
           </a:p>
@@ -2802,7 +2802,7 @@
           <a:p>
             <a:fld id="{86C57080-FFB0-4981-8CAD-2101F357659F}" type="datetime1">
               <a:rPr lang="ru-RU" smtClean="0"/>
-              <a:t>29.08.2015</a:t>
+              <a:t>04.09.2015</a:t>
             </a:fld>
             <a:endParaRPr lang="ru-RU"/>
           </a:p>
@@ -2902,7 +2902,7 @@
           <a:p>
             <a:fld id="{86C57080-FFB0-4981-8CAD-2101F357659F}" type="datetime1">
               <a:rPr lang="ru-RU" smtClean="0"/>
-              <a:t>29.08.2015</a:t>
+              <a:t>04.09.2015</a:t>
             </a:fld>
             <a:endParaRPr lang="ru-RU"/>
           </a:p>
@@ -3257,7 +3257,7 @@
           <a:p>
             <a:fld id="{86C57080-FFB0-4981-8CAD-2101F357659F}" type="datetime1">
               <a:rPr lang="ru-RU" smtClean="0"/>
-              <a:t>29.08.2015</a:t>
+              <a:t>04.09.2015</a:t>
             </a:fld>
             <a:endParaRPr lang="ru-RU"/>
           </a:p>
@@ -3687,7 +3687,7 @@
           <a:p>
             <a:fld id="{86C57080-FFB0-4981-8CAD-2101F357659F}" type="datetime1">
               <a:rPr lang="ru-RU" smtClean="0"/>
-              <a:t>29.08.2015</a:t>
+              <a:t>04.09.2015</a:t>
             </a:fld>
             <a:endParaRPr lang="ru-RU"/>
           </a:p>
@@ -3969,7 +3969,7 @@
           <a:p>
             <a:fld id="{86C57080-FFB0-4981-8CAD-2101F357659F}" type="datetime1">
               <a:rPr lang="ru-RU" smtClean="0"/>
-              <a:t>29.08.2015</a:t>
+              <a:t>04.09.2015</a:t>
             </a:fld>
             <a:endParaRPr lang="ru-RU"/>
           </a:p>
@@ -6278,8 +6278,8 @@
           </a:p>
         </p:txBody>
       </p:sp>
-      <mc:AlternateContent xmlns:mc="http://schemas.openxmlformats.org/markup-compatibility/2006">
-        <mc:Choice xmlns:a14="http://schemas.microsoft.com/office/drawing/2010/main" Requires="a14">
+      <mc:AlternateContent xmlns:mc="http://schemas.openxmlformats.org/markup-compatibility/2006" xmlns:a14="http://schemas.microsoft.com/office/drawing/2010/main">
+        <mc:Choice Requires="a14">
           <p:sp>
             <p:nvSpPr>
               <p:cNvPr id="3" name="Объект 2"/>
@@ -6821,7 +6821,7 @@
             </p:txBody>
           </p:sp>
         </mc:Choice>
-        <mc:Fallback>
+        <mc:Fallback xmlns="">
           <p:sp>
             <p:nvSpPr>
               <p:cNvPr id="3" name="Объект 2"/>
@@ -6933,8 +6933,8 @@
           </a:p>
         </p:txBody>
       </p:sp>
-      <mc:AlternateContent xmlns:mc="http://schemas.openxmlformats.org/markup-compatibility/2006">
-        <mc:Choice xmlns:a14="http://schemas.microsoft.com/office/drawing/2010/main" Requires="a14">
+      <mc:AlternateContent xmlns:mc="http://schemas.openxmlformats.org/markup-compatibility/2006" xmlns:a14="http://schemas.microsoft.com/office/drawing/2010/main">
+        <mc:Choice Requires="a14">
           <p:sp>
             <p:nvSpPr>
               <p:cNvPr id="3" name="Объект 2"/>
@@ -7202,12 +7202,11 @@
                   <a:rPr lang="ru-RU" dirty="0"/>
                   <a:t>Хотя оптическая система линз осуществляет преобразование Фурье на непрерывном диапазоне аргумента и для непрерывного спектра, но при переходе к цифровой обработке данных формулы преобразования Фурье могут быть заменены на формулы дискретного преобразования Фурье.</a:t>
                 </a:r>
-                <a:endParaRPr lang="ru-RU" dirty="0"/>
               </a:p>
             </p:txBody>
           </p:sp>
         </mc:Choice>
-        <mc:Fallback>
+        <mc:Fallback xmlns="">
           <p:sp>
             <p:nvSpPr>
               <p:cNvPr id="3" name="Объект 2"/>
@@ -7319,8 +7318,8 @@
           </a:p>
         </p:txBody>
       </p:sp>
-      <mc:AlternateContent xmlns:mc="http://schemas.openxmlformats.org/markup-compatibility/2006">
-        <mc:Choice xmlns:a14="http://schemas.microsoft.com/office/drawing/2010/main" Requires="a14">
+      <mc:AlternateContent xmlns:mc="http://schemas.openxmlformats.org/markup-compatibility/2006" xmlns:a14="http://schemas.microsoft.com/office/drawing/2010/main">
+        <mc:Choice Requires="a14">
           <p:sp>
             <p:nvSpPr>
               <p:cNvPr id="3" name="Объект 2"/>
@@ -7910,7 +7909,7 @@
             </p:txBody>
           </p:sp>
         </mc:Choice>
-        <mc:Fallback>
+        <mc:Fallback xmlns="">
           <p:sp>
             <p:nvSpPr>
               <p:cNvPr id="3" name="Объект 2"/>
@@ -8022,8 +8021,8 @@
           </a:p>
         </p:txBody>
       </p:sp>
-      <mc:AlternateContent xmlns:mc="http://schemas.openxmlformats.org/markup-compatibility/2006">
-        <mc:Choice xmlns:a14="http://schemas.microsoft.com/office/drawing/2010/main" Requires="a14">
+      <mc:AlternateContent xmlns:mc="http://schemas.openxmlformats.org/markup-compatibility/2006" xmlns:a14="http://schemas.microsoft.com/office/drawing/2010/main">
+        <mc:Choice Requires="a14">
           <p:sp>
             <p:nvSpPr>
               <p:cNvPr id="3" name="Объект 2"/>
@@ -8570,7 +8569,7 @@
             </p:txBody>
           </p:sp>
         </mc:Choice>
-        <mc:Fallback>
+        <mc:Fallback xmlns="">
           <p:sp>
             <p:nvSpPr>
               <p:cNvPr id="3" name="Объект 2"/>
@@ -27748,7 +27747,6 @@
               <a:rPr lang="ru-RU" sz="1050" dirty="0"/>
               <a:t>Фокальная плоскость</a:t>
             </a:r>
-            <a:endParaRPr lang="ru-RU" sz="1050" dirty="0"/>
           </a:p>
         </p:txBody>
       </p:sp>
@@ -27799,7 +27797,6 @@
               <a:rPr lang="ru-RU" sz="1350" dirty="0"/>
               <a:t>Объектив</a:t>
             </a:r>
-            <a:endParaRPr lang="ru-RU" sz="1350" dirty="0"/>
           </a:p>
         </p:txBody>
       </p:sp>
@@ -27952,7 +27949,6 @@
               <a:rPr lang="ru-RU" sz="1350" dirty="0"/>
               <a:t>Исходное изображение</a:t>
             </a:r>
-            <a:endParaRPr lang="ru-RU" sz="1350" dirty="0"/>
           </a:p>
         </p:txBody>
       </p:sp>
@@ -28003,7 +27999,6 @@
               <a:rPr lang="ru-RU" sz="750" dirty="0"/>
               <a:t>Результирующее изображение</a:t>
             </a:r>
-            <a:endParaRPr lang="ru-RU" sz="750" dirty="0"/>
           </a:p>
         </p:txBody>
       </p:sp>
@@ -28274,6 +28269,33 @@
               <a:rPr lang="en-US" dirty="0" smtClean="0"/>
               <a:t>6969591</a:t>
             </a:r>
+            <a:endParaRPr lang="ru-RU" dirty="0" smtClean="0"/>
+          </a:p>
+          <a:p>
+            <a:pPr lvl="1"/>
+            <a:endParaRPr lang="ru-RU" dirty="0"/>
+          </a:p>
+          <a:p>
+            <a:pPr lvl="1"/>
+            <a:r>
+              <a:rPr lang="ru-RU" dirty="0" smtClean="0"/>
+              <a:t>Интернет-адрес проекта</a:t>
+            </a:r>
+            <a:r>
+              <a:rPr lang="en-US" dirty="0" smtClean="0"/>
+              <a:t>: </a:t>
+            </a:r>
+            <a:r>
+              <a:rPr lang="en-US" dirty="0">
+                <a:hlinkClick r:id="rId3"/>
+              </a:rPr>
+              <a:t>https://github.com/dprotopopov/FFTTools</a:t>
+            </a:r>
+            <a:endParaRPr lang="ru-RU" dirty="0"/>
+          </a:p>
+          <a:p>
+            <a:pPr lvl="1"/>
+            <a:endParaRPr lang="en-US" dirty="0" smtClean="0"/>
           </a:p>
         </p:txBody>
       </p:sp>

--- a/Фурье-обработка цифровых изображений.pptx
+++ b/Фурье-обработка цифровых изображений.pptx
@@ -5,7 +5,7 @@
     <p:sldMasterId id="2147483801" r:id="rId1"/>
   </p:sldMasterIdLst>
   <p:notesMasterIdLst>
-    <p:notesMasterId r:id="rId33"/>
+    <p:notesMasterId r:id="rId35"/>
   </p:notesMasterIdLst>
   <p:sldIdLst>
     <p:sldId id="256" r:id="rId2"/>
@@ -37,8 +37,10 @@
     <p:sldId id="284" r:id="rId28"/>
     <p:sldId id="285" r:id="rId29"/>
     <p:sldId id="286" r:id="rId30"/>
-    <p:sldId id="288" r:id="rId31"/>
-    <p:sldId id="287" r:id="rId32"/>
+    <p:sldId id="289" r:id="rId31"/>
+    <p:sldId id="290" r:id="rId32"/>
+    <p:sldId id="288" r:id="rId33"/>
+    <p:sldId id="287" r:id="rId34"/>
   </p:sldIdLst>
   <p:sldSz cx="12192000" cy="6858000"/>
   <p:notesSz cx="6858000" cy="9144000"/>
@@ -28048,6 +28050,219 @@
           <a:lstStyle/>
           <a:p>
             <a:r>
+              <a:rPr lang="ru-RU" dirty="0" smtClean="0"/>
+              <a:t>Размытие </a:t>
+            </a:r>
+            <a:r>
+              <a:rPr lang="ru-RU" dirty="0"/>
+              <a:t>изображения</a:t>
+            </a:r>
+          </a:p>
+        </p:txBody>
+      </p:sp>
+      <p:pic>
+        <p:nvPicPr>
+          <p:cNvPr id="5" name="Объект 4"/>
+          <p:cNvPicPr>
+            <a:picLocks noGrp="1" noChangeAspect="1"/>
+          </p:cNvPicPr>
+          <p:nvPr>
+            <p:ph idx="1"/>
+          </p:nvPr>
+        </p:nvPicPr>
+        <p:blipFill>
+          <a:blip r:embed="rId2" cstate="print">
+            <a:extLst>
+              <a:ext uri="{28A0092B-C50C-407E-A947-70E740481C1C}">
+                <a14:useLocalDpi xmlns:a14="http://schemas.microsoft.com/office/drawing/2010/main" val="0"/>
+              </a:ext>
+            </a:extLst>
+          </a:blip>
+          <a:stretch>
+            <a:fillRect/>
+          </a:stretch>
+        </p:blipFill>
+        <p:spPr>
+          <a:xfrm>
+            <a:off x="2858135" y="2120900"/>
+            <a:ext cx="6482080" cy="4051300"/>
+          </a:xfrm>
+        </p:spPr>
+      </p:pic>
+      <p:sp>
+        <p:nvSpPr>
+          <p:cNvPr id="4" name="Нижний колонтитул 3"/>
+          <p:cNvSpPr>
+            <a:spLocks noGrp="1"/>
+          </p:cNvSpPr>
+          <p:nvPr>
+            <p:ph type="ftr" sz="quarter" idx="11"/>
+          </p:nvPr>
+        </p:nvSpPr>
+        <p:spPr/>
+        <p:txBody>
+          <a:bodyPr/>
+          <a:lstStyle/>
+          <a:p>
+            <a:r>
+              <a:rPr lang="en-US" smtClean="0"/>
+              <a:t>dmitry@protopopov.ru</a:t>
+            </a:r>
+            <a:endParaRPr lang="ru-RU"/>
+          </a:p>
+        </p:txBody>
+      </p:sp>
+    </p:spTree>
+    <p:extLst>
+      <p:ext uri="{BB962C8B-B14F-4D97-AF65-F5344CB8AC3E}">
+        <p14:creationId xmlns:p14="http://schemas.microsoft.com/office/powerpoint/2010/main" val="3393976215"/>
+      </p:ext>
+    </p:extLst>
+  </p:cSld>
+  <p:clrMapOvr>
+    <a:masterClrMapping/>
+  </p:clrMapOvr>
+</p:sld>
+</file>
+
+<file path=ppt/slides/slide31.xml><?xml version="1.0" encoding="utf-8"?>
+<p:sld xmlns:a="http://schemas.openxmlformats.org/drawingml/2006/main" xmlns:r="http://schemas.openxmlformats.org/officeDocument/2006/relationships" xmlns:p="http://schemas.openxmlformats.org/presentationml/2006/main">
+  <p:cSld>
+    <p:spTree>
+      <p:nvGrpSpPr>
+        <p:cNvPr id="1" name=""/>
+        <p:cNvGrpSpPr/>
+        <p:nvPr/>
+      </p:nvGrpSpPr>
+      <p:grpSpPr>
+        <a:xfrm>
+          <a:off x="0" y="0"/>
+          <a:ext cx="0" cy="0"/>
+          <a:chOff x="0" y="0"/>
+          <a:chExt cx="0" cy="0"/>
+        </a:xfrm>
+      </p:grpSpPr>
+      <p:sp>
+        <p:nvSpPr>
+          <p:cNvPr id="2" name="Заголовок 1"/>
+          <p:cNvSpPr>
+            <a:spLocks noGrp="1"/>
+          </p:cNvSpPr>
+          <p:nvPr>
+            <p:ph type="title"/>
+          </p:nvPr>
+        </p:nvSpPr>
+        <p:spPr/>
+        <p:txBody>
+          <a:bodyPr/>
+          <a:lstStyle/>
+          <a:p>
+            <a:r>
+              <a:rPr lang="ru-RU" dirty="0" smtClean="0"/>
+              <a:t>Масштабирование изображения</a:t>
+            </a:r>
+            <a:endParaRPr lang="ru-RU" dirty="0"/>
+          </a:p>
+        </p:txBody>
+      </p:sp>
+      <p:pic>
+        <p:nvPicPr>
+          <p:cNvPr id="5" name="Объект 4"/>
+          <p:cNvPicPr>
+            <a:picLocks noGrp="1" noChangeAspect="1"/>
+          </p:cNvPicPr>
+          <p:nvPr>
+            <p:ph idx="1"/>
+          </p:nvPr>
+        </p:nvPicPr>
+        <p:blipFill>
+          <a:blip r:embed="rId2" cstate="print">
+            <a:extLst>
+              <a:ext uri="{28A0092B-C50C-407E-A947-70E740481C1C}">
+                <a14:useLocalDpi xmlns:a14="http://schemas.microsoft.com/office/drawing/2010/main" val="0"/>
+              </a:ext>
+            </a:extLst>
+          </a:blip>
+          <a:stretch>
+            <a:fillRect/>
+          </a:stretch>
+        </p:blipFill>
+        <p:spPr>
+          <a:xfrm>
+            <a:off x="2858135" y="2120900"/>
+            <a:ext cx="6482080" cy="4051300"/>
+          </a:xfrm>
+        </p:spPr>
+      </p:pic>
+      <p:sp>
+        <p:nvSpPr>
+          <p:cNvPr id="4" name="Нижний колонтитул 3"/>
+          <p:cNvSpPr>
+            <a:spLocks noGrp="1"/>
+          </p:cNvSpPr>
+          <p:nvPr>
+            <p:ph type="ftr" sz="quarter" idx="11"/>
+          </p:nvPr>
+        </p:nvSpPr>
+        <p:spPr/>
+        <p:txBody>
+          <a:bodyPr/>
+          <a:lstStyle/>
+          <a:p>
+            <a:r>
+              <a:rPr lang="en-US" smtClean="0"/>
+              <a:t>dmitry@protopopov.ru</a:t>
+            </a:r>
+            <a:endParaRPr lang="ru-RU"/>
+          </a:p>
+        </p:txBody>
+      </p:sp>
+    </p:spTree>
+    <p:extLst>
+      <p:ext uri="{BB962C8B-B14F-4D97-AF65-F5344CB8AC3E}">
+        <p14:creationId xmlns:p14="http://schemas.microsoft.com/office/powerpoint/2010/main" val="4005893264"/>
+      </p:ext>
+    </p:extLst>
+  </p:cSld>
+  <p:clrMapOvr>
+    <a:masterClrMapping/>
+  </p:clrMapOvr>
+</p:sld>
+</file>
+
+<file path=ppt/slides/slide32.xml><?xml version="1.0" encoding="utf-8"?>
+<p:sld xmlns:a="http://schemas.openxmlformats.org/drawingml/2006/main" xmlns:r="http://schemas.openxmlformats.org/officeDocument/2006/relationships" xmlns:p="http://schemas.openxmlformats.org/presentationml/2006/main">
+  <p:cSld>
+    <p:spTree>
+      <p:nvGrpSpPr>
+        <p:cNvPr id="1" name=""/>
+        <p:cNvGrpSpPr/>
+        <p:nvPr/>
+      </p:nvGrpSpPr>
+      <p:grpSpPr>
+        <a:xfrm>
+          <a:off x="0" y="0"/>
+          <a:ext cx="0" cy="0"/>
+          <a:chOff x="0" y="0"/>
+          <a:chExt cx="0" cy="0"/>
+        </a:xfrm>
+      </p:grpSpPr>
+      <p:sp>
+        <p:nvSpPr>
+          <p:cNvPr id="2" name="Заголовок 1"/>
+          <p:cNvSpPr>
+            <a:spLocks noGrp="1"/>
+          </p:cNvSpPr>
+          <p:nvPr>
+            <p:ph type="title"/>
+          </p:nvPr>
+        </p:nvSpPr>
+        <p:spPr/>
+        <p:txBody>
+          <a:bodyPr/>
+          <a:lstStyle/>
+          <a:p>
+            <a:r>
               <a:rPr lang="ru-RU" dirty="0"/>
               <a:t>Литература</a:t>
             </a:r>
@@ -28162,7 +28377,7 @@
 </p:sld>
 </file>
 
-<file path=ppt/slides/slide31.xml><?xml version="1.0" encoding="utf-8"?>
+<file path=ppt/slides/slide33.xml><?xml version="1.0" encoding="utf-8"?>
 <p:sld xmlns:a="http://schemas.openxmlformats.org/drawingml/2006/main" xmlns:r="http://schemas.openxmlformats.org/officeDocument/2006/relationships" xmlns:p="http://schemas.openxmlformats.org/presentationml/2006/main">
   <p:cSld>
     <p:spTree>

--- a/Фурье-обработка цифровых изображений.pptx
+++ b/Фурье-обработка цифровых изображений.pptx
@@ -230,7 +230,7 @@
           <a:p>
             <a:fld id="{C6D9D0F6-0CFF-4E50-A808-252F8FA1C906}" type="datetimeFigureOut">
               <a:rPr lang="ru-RU" smtClean="0"/>
-              <a:t>11.09.2015</a:t>
+              <a:t>11.01.2016</a:t>
             </a:fld>
             <a:endParaRPr lang="ru-RU"/>
           </a:p>
@@ -990,7 +990,7 @@
           <a:p>
             <a:fld id="{86C57080-FFB0-4981-8CAD-2101F357659F}" type="datetime1">
               <a:rPr lang="ru-RU" smtClean="0"/>
-              <a:t>11.09.2015</a:t>
+              <a:t>11.01.2016</a:t>
             </a:fld>
             <a:endParaRPr lang="ru-RU"/>
           </a:p>
@@ -1174,7 +1174,7 @@
           <a:p>
             <a:fld id="{86C57080-FFB0-4981-8CAD-2101F357659F}" type="datetime1">
               <a:rPr lang="ru-RU" smtClean="0"/>
-              <a:t>11.09.2015</a:t>
+              <a:t>11.01.2016</a:t>
             </a:fld>
             <a:endParaRPr lang="ru-RU"/>
           </a:p>
@@ -1359,7 +1359,7 @@
           <a:p>
             <a:fld id="{86C57080-FFB0-4981-8CAD-2101F357659F}" type="datetime1">
               <a:rPr lang="ru-RU" smtClean="0"/>
-              <a:t>11.09.2015</a:t>
+              <a:t>11.01.2016</a:t>
             </a:fld>
             <a:endParaRPr lang="ru-RU"/>
           </a:p>
@@ -1534,7 +1534,7 @@
           <a:p>
             <a:fld id="{86C57080-FFB0-4981-8CAD-2101F357659F}" type="datetime1">
               <a:rPr lang="ru-RU" smtClean="0"/>
-              <a:t>11.09.2015</a:t>
+              <a:t>11.01.2016</a:t>
             </a:fld>
             <a:endParaRPr lang="ru-RU"/>
           </a:p>
@@ -1852,7 +1852,7 @@
           <a:p>
             <a:fld id="{86C57080-FFB0-4981-8CAD-2101F357659F}" type="datetime1">
               <a:rPr lang="ru-RU" smtClean="0"/>
-              <a:t>11.09.2015</a:t>
+              <a:t>11.01.2016</a:t>
             </a:fld>
             <a:endParaRPr lang="ru-RU"/>
           </a:p>
@@ -2243,7 +2243,7 @@
           <a:p>
             <a:fld id="{86C57080-FFB0-4981-8CAD-2101F357659F}" type="datetime1">
               <a:rPr lang="ru-RU" smtClean="0"/>
-              <a:t>11.09.2015</a:t>
+              <a:t>11.01.2016</a:t>
             </a:fld>
             <a:endParaRPr lang="ru-RU"/>
           </a:p>
@@ -2682,7 +2682,7 @@
           <a:p>
             <a:fld id="{86C57080-FFB0-4981-8CAD-2101F357659F}" type="datetime1">
               <a:rPr lang="ru-RU" smtClean="0"/>
-              <a:t>11.09.2015</a:t>
+              <a:t>11.01.2016</a:t>
             </a:fld>
             <a:endParaRPr lang="ru-RU"/>
           </a:p>
@@ -2805,7 +2805,7 @@
           <a:p>
             <a:fld id="{86C57080-FFB0-4981-8CAD-2101F357659F}" type="datetime1">
               <a:rPr lang="ru-RU" smtClean="0"/>
-              <a:t>11.09.2015</a:t>
+              <a:t>11.01.2016</a:t>
             </a:fld>
             <a:endParaRPr lang="ru-RU"/>
           </a:p>
@@ -2905,7 +2905,7 @@
           <a:p>
             <a:fld id="{86C57080-FFB0-4981-8CAD-2101F357659F}" type="datetime1">
               <a:rPr lang="ru-RU" smtClean="0"/>
-              <a:t>11.09.2015</a:t>
+              <a:t>11.01.2016</a:t>
             </a:fld>
             <a:endParaRPr lang="ru-RU"/>
           </a:p>
@@ -3260,7 +3260,7 @@
           <a:p>
             <a:fld id="{86C57080-FFB0-4981-8CAD-2101F357659F}" type="datetime1">
               <a:rPr lang="ru-RU" smtClean="0"/>
-              <a:t>11.09.2015</a:t>
+              <a:t>11.01.2016</a:t>
             </a:fld>
             <a:endParaRPr lang="ru-RU"/>
           </a:p>
@@ -3690,7 +3690,7 @@
           <a:p>
             <a:fld id="{86C57080-FFB0-4981-8CAD-2101F357659F}" type="datetime1">
               <a:rPr lang="ru-RU" smtClean="0"/>
-              <a:t>11.09.2015</a:t>
+              <a:t>11.01.2016</a:t>
             </a:fld>
             <a:endParaRPr lang="ru-RU"/>
           </a:p>
@@ -3972,7 +3972,7 @@
           <a:p>
             <a:fld id="{86C57080-FFB0-4981-8CAD-2101F357659F}" type="datetime1">
               <a:rPr lang="ru-RU" smtClean="0"/>
-              <a:t>11.09.2015</a:t>
+              <a:t>11.01.2016</a:t>
             </a:fld>
             <a:endParaRPr lang="ru-RU"/>
           </a:p>
@@ -4985,6 +4985,7 @@
           </a:bodyPr>
           <a:lstStyle/>
           <a:p>
+            <a:pPr algn="just"/>
             <a:r>
               <a:rPr lang="ru-RU" dirty="0"/>
               <a:t>Анализ сложного волнового поля во многих случаях </a:t>
@@ -5048,6 +5049,7 @@
             <a:endParaRPr lang="ru-RU" dirty="0" smtClean="0"/>
           </a:p>
           <a:p>
+            <a:pPr algn="just"/>
             <a:r>
               <a:rPr lang="ru-RU" dirty="0" smtClean="0"/>
               <a:t>Если </a:t>
@@ -5322,65 +5324,289 @@
           </a:p>
         </p:txBody>
       </p:sp>
-      <p:sp>
-        <p:nvSpPr>
-          <p:cNvPr id="3" name="Объект 2"/>
-          <p:cNvSpPr>
-            <a:spLocks noGrp="1"/>
-          </p:cNvSpPr>
-          <p:nvPr>
-            <p:ph idx="1"/>
-          </p:nvPr>
-        </p:nvSpPr>
-        <p:spPr/>
-        <p:txBody>
-          <a:bodyPr>
-            <a:normAutofit fontScale="92500" lnSpcReduction="20000"/>
-          </a:bodyPr>
-          <a:lstStyle/>
-          <a:p>
-            <a:r>
-              <a:rPr lang="ru-RU" dirty="0"/>
-              <a:t>Преобразование Фурье (ℱ) — операция, сопоставляющая одной функции вещественной переменной другую функцию, также вещественной переменной. Эта новая функция описывает коэффициенты («амплитуды») при разложении исходной функции на элементарные составляющие — гармонические колебания с разными частотами.</a:t>
-            </a:r>
-          </a:p>
-          <a:p>
-            <a:r>
-              <a:rPr lang="ru-RU" dirty="0"/>
-              <a:t>Преобразование Фурье функции f вещественной переменной является интегральным и задаётся следующей </a:t>
-            </a:r>
-            <a:r>
-              <a:rPr lang="ru-RU" dirty="0" smtClean="0"/>
-              <a:t>формулой:</a:t>
-            </a:r>
-          </a:p>
-          <a:p>
-            <a:endParaRPr lang="ru-RU" dirty="0" smtClean="0"/>
-          </a:p>
-          <a:p>
-            <a:endParaRPr lang="ru-RU" dirty="0"/>
-          </a:p>
-          <a:p>
-            <a:endParaRPr lang="ru-RU" dirty="0"/>
-          </a:p>
-          <a:p>
-            <a:r>
-              <a:rPr lang="ru-RU" dirty="0" smtClean="0"/>
-              <a:t>Разные </a:t>
-            </a:r>
-            <a:r>
-              <a:rPr lang="ru-RU" dirty="0"/>
-              <a:t>источники могут давать определения, отличающиеся от приведённого выше выбором коэффициента перед интегралом, а также знака «−» в показателе экспоненты. Но все свойства будут те же, хотя вид некоторых формул может измениться.</a:t>
-            </a:r>
-          </a:p>
-          <a:p>
-            <a:r>
-              <a:rPr lang="ru-RU" dirty="0"/>
-              <a:t>Кроме того, существуют разнообразные обобщения данного понятия</a:t>
-            </a:r>
-          </a:p>
-        </p:txBody>
-      </p:sp>
+      <mc:AlternateContent xmlns:mc="http://schemas.openxmlformats.org/markup-compatibility/2006">
+        <mc:Choice xmlns:a14="http://schemas.microsoft.com/office/drawing/2010/main" Requires="a14">
+          <p:sp>
+            <p:nvSpPr>
+              <p:cNvPr id="3" name="Объект 2"/>
+              <p:cNvSpPr>
+                <a:spLocks noGrp="1"/>
+              </p:cNvSpPr>
+              <p:nvPr>
+                <p:ph idx="1"/>
+              </p:nvPr>
+            </p:nvSpPr>
+            <p:spPr/>
+            <p:txBody>
+              <a:bodyPr>
+                <a:normAutofit fontScale="92500" lnSpcReduction="20000"/>
+              </a:bodyPr>
+              <a:lstStyle/>
+              <a:p>
+                <a:pPr algn="just"/>
+                <a:r>
+                  <a:rPr lang="ru-RU" dirty="0"/>
+                  <a:t>Преобразование Фурье (ℱ) — операция, сопоставляющая одной функции вещественной переменной другую функцию, также вещественной переменной. Эта новая функция описывает коэффициенты («амплитуды») при разложении исходной функции на элементарные составляющие — гармонические колебания с разными частотами.</a:t>
+                </a:r>
+              </a:p>
+              <a:p>
+                <a:pPr algn="just"/>
+                <a:r>
+                  <a:rPr lang="ru-RU" dirty="0"/>
+                  <a:t>Преобразование Фурье функции f вещественной переменной является интегральным и задаётся следующей </a:t>
+                </a:r>
+                <a:r>
+                  <a:rPr lang="ru-RU" dirty="0" smtClean="0"/>
+                  <a:t>формулой</a:t>
+                </a:r>
+                <a:r>
+                  <a:rPr lang="ru-RU" dirty="0" smtClean="0"/>
+                  <a:t>:</a:t>
+                </a:r>
+                <a:endParaRPr lang="ru-RU" dirty="0"/>
+              </a:p>
+              <a:p>
+                <a:pPr marL="0" indent="0">
+                  <a:buNone/>
+                </a:pPr>
+                <a14:m>
+                  <m:oMathPara xmlns:m="http://schemas.openxmlformats.org/officeDocument/2006/math">
+                    <m:oMathParaPr>
+                      <m:jc m:val="center"/>
+                    </m:oMathParaPr>
+                    <m:oMath xmlns:m="http://schemas.openxmlformats.org/officeDocument/2006/math">
+                      <m:acc>
+                        <m:accPr>
+                          <m:chr m:val="̂"/>
+                          <m:ctrlPr>
+                            <a:rPr lang="ru-RU" i="1">
+                              <a:latin typeface="Cambria Math" panose="02040503050406030204" pitchFamily="18" charset="0"/>
+                            </a:rPr>
+                          </m:ctrlPr>
+                        </m:accPr>
+                        <m:e>
+                          <m:r>
+                            <a:rPr lang="ru-RU" i="1">
+                              <a:latin typeface="Cambria Math" panose="02040503050406030204" pitchFamily="18" charset="0"/>
+                            </a:rPr>
+                            <m:t>𝑓</m:t>
+                          </m:r>
+                        </m:e>
+                      </m:acc>
+                      <m:r>
+                        <a:rPr lang="ru-RU" i="1">
+                          <a:latin typeface="Cambria Math" panose="02040503050406030204" pitchFamily="18" charset="0"/>
+                        </a:rPr>
+                        <m:t>(</m:t>
+                      </m:r>
+                      <m:r>
+                        <a:rPr lang="ru-RU" i="1">
+                          <a:latin typeface="Cambria Math" panose="02040503050406030204" pitchFamily="18" charset="0"/>
+                        </a:rPr>
+                        <m:t>𝜔</m:t>
+                      </m:r>
+                      <m:r>
+                        <a:rPr lang="ru-RU" i="1">
+                          <a:latin typeface="Cambria Math" panose="02040503050406030204" pitchFamily="18" charset="0"/>
+                        </a:rPr>
+                        <m:t>)=</m:t>
+                      </m:r>
+                      <m:f>
+                        <m:fPr>
+                          <m:ctrlPr>
+                            <a:rPr lang="ru-RU" i="1">
+                              <a:latin typeface="Cambria Math" panose="02040503050406030204" pitchFamily="18" charset="0"/>
+                            </a:rPr>
+                          </m:ctrlPr>
+                        </m:fPr>
+                        <m:num>
+                          <m:r>
+                            <a:rPr lang="ru-RU" i="1">
+                              <a:latin typeface="Cambria Math" panose="02040503050406030204" pitchFamily="18" charset="0"/>
+                            </a:rPr>
+                            <m:t>1</m:t>
+                          </m:r>
+                        </m:num>
+                        <m:den>
+                          <m:rad>
+                            <m:radPr>
+                              <m:degHide m:val="on"/>
+                              <m:ctrlPr>
+                                <a:rPr lang="ru-RU" i="1">
+                                  <a:latin typeface="Cambria Math" panose="02040503050406030204" pitchFamily="18" charset="0"/>
+                                </a:rPr>
+                              </m:ctrlPr>
+                            </m:radPr>
+                            <m:deg/>
+                            <m:e>
+                              <m:r>
+                                <a:rPr lang="ru-RU" i="1">
+                                  <a:latin typeface="Cambria Math" panose="02040503050406030204" pitchFamily="18" charset="0"/>
+                                </a:rPr>
+                                <m:t>2</m:t>
+                              </m:r>
+                              <m:r>
+                                <a:rPr lang="ru-RU" i="1">
+                                  <a:latin typeface="Cambria Math" panose="02040503050406030204" pitchFamily="18" charset="0"/>
+                                </a:rPr>
+                                <m:t>𝜋</m:t>
+                              </m:r>
+                            </m:e>
+                          </m:rad>
+                        </m:den>
+                      </m:f>
+                      <m:nary>
+                        <m:naryPr>
+                          <m:limLoc m:val="undOvr"/>
+                          <m:ctrlPr>
+                            <a:rPr lang="ru-RU" i="1">
+                              <a:latin typeface="Cambria Math" panose="02040503050406030204" pitchFamily="18" charset="0"/>
+                            </a:rPr>
+                          </m:ctrlPr>
+                        </m:naryPr>
+                        <m:sub>
+                          <m:r>
+                            <a:rPr lang="ru-RU" i="1">
+                              <a:latin typeface="Cambria Math" panose="02040503050406030204" pitchFamily="18" charset="0"/>
+                            </a:rPr>
+                            <m:t>−∞</m:t>
+                          </m:r>
+                        </m:sub>
+                        <m:sup>
+                          <m:r>
+                            <a:rPr lang="ru-RU" i="1">
+                              <a:latin typeface="Cambria Math" panose="02040503050406030204" pitchFamily="18" charset="0"/>
+                            </a:rPr>
+                            <m:t>∞</m:t>
+                          </m:r>
+                        </m:sup>
+                        <m:e>
+                          <m:r>
+                            <a:rPr lang="ru-RU" i="1">
+                              <a:latin typeface="Cambria Math" panose="02040503050406030204" pitchFamily="18" charset="0"/>
+                            </a:rPr>
+                            <m:t>𝑓</m:t>
+                          </m:r>
+                          <m:d>
+                            <m:dPr>
+                              <m:ctrlPr>
+                                <a:rPr lang="ru-RU" i="1">
+                                  <a:latin typeface="Cambria Math" panose="02040503050406030204" pitchFamily="18" charset="0"/>
+                                </a:rPr>
+                              </m:ctrlPr>
+                            </m:dPr>
+                            <m:e>
+                              <m:r>
+                                <a:rPr lang="ru-RU" i="1">
+                                  <a:latin typeface="Cambria Math" panose="02040503050406030204" pitchFamily="18" charset="0"/>
+                                </a:rPr>
+                                <m:t>𝑥</m:t>
+                              </m:r>
+                            </m:e>
+                          </m:d>
+                          <m:sSup>
+                            <m:sSupPr>
+                              <m:ctrlPr>
+                                <a:rPr lang="ru-RU" i="1">
+                                  <a:latin typeface="Cambria Math" panose="02040503050406030204" pitchFamily="18" charset="0"/>
+                                </a:rPr>
+                              </m:ctrlPr>
+                            </m:sSupPr>
+                            <m:e>
+                              <m:r>
+                                <a:rPr lang="ru-RU" i="1">
+                                  <a:latin typeface="Cambria Math" panose="02040503050406030204" pitchFamily="18" charset="0"/>
+                                </a:rPr>
+                                <m:t>𝑒</m:t>
+                              </m:r>
+                            </m:e>
+                            <m:sup>
+                              <m:r>
+                                <a:rPr lang="ru-RU" i="1">
+                                  <a:latin typeface="Cambria Math" panose="02040503050406030204" pitchFamily="18" charset="0"/>
+                                </a:rPr>
+                                <m:t>−</m:t>
+                              </m:r>
+                              <m:r>
+                                <a:rPr lang="ru-RU" i="1">
+                                  <a:latin typeface="Cambria Math" panose="02040503050406030204" pitchFamily="18" charset="0"/>
+                                </a:rPr>
+                                <m:t>𝑖𝑥</m:t>
+                              </m:r>
+                              <m:r>
+                                <a:rPr lang="ru-RU" i="1">
+                                  <a:latin typeface="Cambria Math" panose="02040503050406030204" pitchFamily="18" charset="0"/>
+                                </a:rPr>
+                                <m:t>𝜔</m:t>
+                              </m:r>
+                            </m:sup>
+                          </m:sSup>
+                          <m:r>
+                            <a:rPr lang="ru-RU" i="1">
+                              <a:latin typeface="Cambria Math" panose="02040503050406030204" pitchFamily="18" charset="0"/>
+                            </a:rPr>
+                            <m:t>𝑑𝑥</m:t>
+                          </m:r>
+                        </m:e>
+                      </m:nary>
+                    </m:oMath>
+                  </m:oMathPara>
+                </a14:m>
+                <a:endParaRPr lang="ru-RU" dirty="0"/>
+              </a:p>
+              <a:p>
+                <a:r>
+                  <a:rPr lang="ru-RU" dirty="0" smtClean="0"/>
+                  <a:t>Разные </a:t>
+                </a:r>
+                <a:r>
+                  <a:rPr lang="ru-RU" dirty="0"/>
+                  <a:t>источники могут давать определения, отличающиеся от приведённого выше выбором коэффициента перед интегралом, а также знака «−» в показателе экспоненты. Но все свойства будут те же, хотя вид некоторых формул может измениться.</a:t>
+                </a:r>
+              </a:p>
+              <a:p>
+                <a:r>
+                  <a:rPr lang="ru-RU" dirty="0"/>
+                  <a:t>Кроме того, существуют разнообразные обобщения данного понятия</a:t>
+                </a:r>
+              </a:p>
+            </p:txBody>
+          </p:sp>
+        </mc:Choice>
+        <mc:Fallback>
+          <p:sp>
+            <p:nvSpPr>
+              <p:cNvPr id="3" name="Объект 2"/>
+              <p:cNvSpPr>
+                <a:spLocks noGrp="1" noRot="1" noChangeAspect="1" noMove="1" noResize="1" noEditPoints="1" noAdjustHandles="1" noChangeArrowheads="1" noChangeShapeType="1" noTextEdit="1"/>
+              </p:cNvSpPr>
+              <p:nvPr>
+                <p:ph idx="1"/>
+              </p:nvPr>
+            </p:nvSpPr>
+            <p:spPr>
+              <a:blipFill rotWithShape="0">
+                <a:blip r:embed="rId2"/>
+                <a:stretch>
+                  <a:fillRect l="-303" t="-2857" r="-545"/>
+                </a:stretch>
+              </a:blipFill>
+            </p:spPr>
+            <p:txBody>
+              <a:bodyPr/>
+              <a:lstStyle/>
+              <a:p>
+                <a:r>
+                  <a:rPr lang="ru-RU">
+                    <a:noFill/>
+                  </a:rPr>
+                  <a:t> </a:t>
+                </a:r>
+              </a:p>
+            </p:txBody>
+          </p:sp>
+        </mc:Fallback>
+      </mc:AlternateContent>
       <p:sp>
         <p:nvSpPr>
           <p:cNvPr id="7" name="Нижний колонтитул 6"/>
@@ -5404,47 +5630,6 @@
           </a:p>
         </p:txBody>
       </p:sp>
-      <p:pic>
-        <p:nvPicPr>
-          <p:cNvPr id="4098" name="Picture 2" descr="\hat{f}(\omega)=\frac{1}{\sqrt{2\pi}}\int\limits_{-\infty}^{\infty}f(x)e^{-ix\omega}\,dx."/>
-          <p:cNvPicPr>
-            <a:picLocks noChangeAspect="1" noChangeArrowheads="1"/>
-          </p:cNvPicPr>
-          <p:nvPr/>
-        </p:nvPicPr>
-        <p:blipFill>
-          <a:blip r:embed="rId2">
-            <a:extLst>
-              <a:ext uri="{28A0092B-C50C-407E-A947-70E740481C1C}">
-                <a14:useLocalDpi xmlns:a14="http://schemas.microsoft.com/office/drawing/2010/main" val="0"/>
-              </a:ext>
-            </a:extLst>
-          </a:blip>
-          <a:srcRect/>
-          <a:stretch>
-            <a:fillRect/>
-          </a:stretch>
-        </p:blipFill>
-        <p:spPr bwMode="auto">
-          <a:xfrm>
-            <a:off x="4846218" y="3856224"/>
-            <a:ext cx="1771650" cy="407195"/>
-          </a:xfrm>
-          <a:prstGeom prst="rect">
-            <a:avLst/>
-          </a:prstGeom>
-          <a:noFill/>
-          <a:extLst>
-            <a:ext uri="{909E8E84-426E-40DD-AFC4-6F175D3DCCD1}">
-              <a14:hiddenFill xmlns:a14="http://schemas.microsoft.com/office/drawing/2010/main">
-                <a:solidFill>
-                  <a:srgbClr val="FFFFFF"/>
-                </a:solidFill>
-              </a14:hiddenFill>
-            </a:ext>
-          </a:extLst>
-        </p:spPr>
-      </p:pic>
     </p:spTree>
     <p:extLst>
       <p:ext uri="{BB962C8B-B14F-4D97-AF65-F5344CB8AC3E}">
@@ -5497,8 +5682,8 @@
           </a:p>
         </p:txBody>
       </p:sp>
-      <mc:AlternateContent xmlns:mc="http://schemas.openxmlformats.org/markup-compatibility/2006" xmlns:a14="http://schemas.microsoft.com/office/drawing/2010/main">
-        <mc:Choice Requires="a14">
+      <mc:AlternateContent xmlns:mc="http://schemas.openxmlformats.org/markup-compatibility/2006">
+        <mc:Choice xmlns:a14="http://schemas.microsoft.com/office/drawing/2010/main" Requires="a14">
           <p:sp>
             <p:nvSpPr>
               <p:cNvPr id="3" name="Объект 2"/>
@@ -5517,7 +5702,7 @@
               <a:lstStyle/>
               <a:p>
                 <a:r>
-                  <a:rPr lang="ru-RU" dirty="0" smtClean="0"/>
+                  <a:rPr lang="ru-RU" dirty="0"/>
                   <a:t>Преобразование </a:t>
                 </a:r>
                 <a:r>
@@ -5525,7 +5710,7 @@
                   <a:t>Фурье функций, заданных на </a:t>
                 </a:r>
                 <a:r>
-                  <a:rPr lang="ru-RU" dirty="0" smtClean="0"/>
+                  <a:rPr lang="ru-RU" dirty="0"/>
                   <a:t>пространстве </a:t>
                 </a:r>
                 <a14:m>
@@ -5533,7 +5718,7 @@
                     <m:sSup>
                       <m:sSupPr>
                         <m:ctrlPr>
-                          <a:rPr lang="ru-RU" i="1" smtClean="0">
+                          <a:rPr lang="ru-RU" i="1">
                             <a:latin typeface="Cambria Math" panose="02040503050406030204" pitchFamily="18" charset="0"/>
                             <a:ea typeface="Cambria Math" panose="02040503050406030204" pitchFamily="18" charset="0"/>
                           </a:rPr>
@@ -5550,7 +5735,7 @@
                       </m:e>
                       <m:sup>
                         <m:r>
-                          <a:rPr lang="en-US" b="0" i="1" smtClean="0">
+                          <a:rPr lang="en-US" i="1">
                             <a:latin typeface="Cambria Math" panose="02040503050406030204" pitchFamily="18" charset="0"/>
                             <a:ea typeface="Cambria Math" panose="02040503050406030204" pitchFamily="18" charset="0"/>
                           </a:rPr>
@@ -5561,7 +5746,7 @@
                   </m:oMath>
                 </a14:m>
                 <a:r>
-                  <a:rPr lang="en-US" dirty="0" smtClean="0"/>
+                  <a:rPr lang="en-US" dirty="0"/>
                   <a:t>, </a:t>
                 </a:r>
                 <a:r>
@@ -5570,28 +5755,507 @@
                 </a:r>
               </a:p>
               <a:p>
-                <a:endParaRPr lang="en-US" dirty="0" smtClean="0"/>
-              </a:p>
-              <a:p>
-                <a:endParaRPr lang="en-US" dirty="0" smtClean="0"/>
+                <a:pPr marL="0" indent="0">
+                  <a:buNone/>
+                </a:pPr>
+                <a14:m>
+                  <m:oMathPara xmlns:m="http://schemas.openxmlformats.org/officeDocument/2006/math">
+                    <m:oMathParaPr>
+                      <m:jc m:val="center"/>
+                    </m:oMathParaPr>
+                    <m:oMath xmlns:m="http://schemas.openxmlformats.org/officeDocument/2006/math">
+                      <m:acc>
+                        <m:accPr>
+                          <m:chr m:val="̂"/>
+                          <m:ctrlPr>
+                            <a:rPr lang="ru-RU" i="1">
+                              <a:latin typeface="Cambria Math" panose="02040503050406030204" pitchFamily="18" charset="0"/>
+                            </a:rPr>
+                          </m:ctrlPr>
+                        </m:accPr>
+                        <m:e>
+                          <m:r>
+                            <a:rPr lang="ru-RU" i="1">
+                              <a:latin typeface="Cambria Math" panose="02040503050406030204" pitchFamily="18" charset="0"/>
+                            </a:rPr>
+                            <m:t>𝑓</m:t>
+                          </m:r>
+                        </m:e>
+                      </m:acc>
+                      <m:r>
+                        <a:rPr lang="ru-RU" i="1">
+                          <a:latin typeface="Cambria Math" panose="02040503050406030204" pitchFamily="18" charset="0"/>
+                        </a:rPr>
+                        <m:t>(</m:t>
+                      </m:r>
+                      <m:r>
+                        <a:rPr lang="ru-RU" i="1">
+                          <a:latin typeface="Cambria Math" panose="02040503050406030204" pitchFamily="18" charset="0"/>
+                        </a:rPr>
+                        <m:t>𝜔</m:t>
+                      </m:r>
+                      <m:r>
+                        <a:rPr lang="ru-RU" i="1">
+                          <a:latin typeface="Cambria Math" panose="02040503050406030204" pitchFamily="18" charset="0"/>
+                        </a:rPr>
+                        <m:t>)=</m:t>
+                      </m:r>
+                      <m:f>
+                        <m:fPr>
+                          <m:ctrlPr>
+                            <a:rPr lang="ru-RU" i="1">
+                              <a:latin typeface="Cambria Math" panose="02040503050406030204" pitchFamily="18" charset="0"/>
+                            </a:rPr>
+                          </m:ctrlPr>
+                        </m:fPr>
+                        <m:num>
+                          <m:r>
+                            <a:rPr lang="ru-RU" i="1">
+                              <a:latin typeface="Cambria Math" panose="02040503050406030204" pitchFamily="18" charset="0"/>
+                            </a:rPr>
+                            <m:t>1</m:t>
+                          </m:r>
+                        </m:num>
+                        <m:den>
+                          <m:sSup>
+                            <m:sSupPr>
+                              <m:ctrlPr>
+                                <a:rPr lang="ru-RU" i="1">
+                                  <a:latin typeface="Cambria Math" panose="02040503050406030204" pitchFamily="18" charset="0"/>
+                                </a:rPr>
+                              </m:ctrlPr>
+                            </m:sSupPr>
+                            <m:e>
+                              <m:r>
+                                <a:rPr lang="en-US" i="1">
+                                  <a:latin typeface="Cambria Math" panose="02040503050406030204" pitchFamily="18" charset="0"/>
+                                </a:rPr>
+                                <m:t>(</m:t>
+                              </m:r>
+                              <m:r>
+                                <a:rPr lang="ru-RU" i="1">
+                                  <a:latin typeface="Cambria Math" panose="02040503050406030204" pitchFamily="18" charset="0"/>
+                                </a:rPr>
+                                <m:t>2</m:t>
+                              </m:r>
+                              <m:r>
+                                <a:rPr lang="ru-RU" i="1">
+                                  <a:latin typeface="Cambria Math" panose="02040503050406030204" pitchFamily="18" charset="0"/>
+                                </a:rPr>
+                                <m:t>𝜋</m:t>
+                              </m:r>
+                              <m:r>
+                                <a:rPr lang="en-US" i="1">
+                                  <a:latin typeface="Cambria Math" panose="02040503050406030204" pitchFamily="18" charset="0"/>
+                                </a:rPr>
+                                <m:t>)</m:t>
+                              </m:r>
+                            </m:e>
+                            <m:sup>
+                              <m:f>
+                                <m:fPr>
+                                  <m:type m:val="skw"/>
+                                  <m:ctrlPr>
+                                    <a:rPr lang="ru-RU" i="1">
+                                      <a:latin typeface="Cambria Math" panose="02040503050406030204" pitchFamily="18" charset="0"/>
+                                    </a:rPr>
+                                  </m:ctrlPr>
+                                </m:fPr>
+                                <m:num>
+                                  <m:r>
+                                    <a:rPr lang="en-US" i="1">
+                                      <a:latin typeface="Cambria Math" panose="02040503050406030204" pitchFamily="18" charset="0"/>
+                                    </a:rPr>
+                                    <m:t>𝑛</m:t>
+                                  </m:r>
+                                </m:num>
+                                <m:den>
+                                  <m:r>
+                                    <a:rPr lang="en-US" i="1">
+                                      <a:latin typeface="Cambria Math" panose="02040503050406030204" pitchFamily="18" charset="0"/>
+                                    </a:rPr>
+                                    <m:t>2</m:t>
+                                  </m:r>
+                                </m:den>
+                              </m:f>
+                            </m:sup>
+                          </m:sSup>
+                        </m:den>
+                      </m:f>
+                      <m:nary>
+                        <m:naryPr>
+                          <m:limLoc m:val="undOvr"/>
+                          <m:supHide m:val="on"/>
+                          <m:ctrlPr>
+                            <a:rPr lang="ru-RU" i="1">
+                              <a:latin typeface="Cambria Math" panose="02040503050406030204" pitchFamily="18" charset="0"/>
+                            </a:rPr>
+                          </m:ctrlPr>
+                        </m:naryPr>
+                        <m:sub>
+                          <m:sSup>
+                            <m:sSupPr>
+                              <m:ctrlPr>
+                                <a:rPr lang="ru-RU" i="1">
+                                  <a:latin typeface="Cambria Math" panose="02040503050406030204" pitchFamily="18" charset="0"/>
+                                  <a:ea typeface="Cambria Math" panose="02040503050406030204" pitchFamily="18" charset="0"/>
+                                </a:rPr>
+                              </m:ctrlPr>
+                            </m:sSupPr>
+                            <m:e>
+                              <m:r>
+                                <a:rPr lang="ru-RU" i="1">
+                                  <a:latin typeface="Cambria Math" panose="02040503050406030204" pitchFamily="18" charset="0"/>
+                                  <a:ea typeface="Cambria Math" panose="02040503050406030204" pitchFamily="18" charset="0"/>
+                                </a:rPr>
+                                <m:t>ℝ</m:t>
+                              </m:r>
+                            </m:e>
+                            <m:sup>
+                              <m:r>
+                                <a:rPr lang="en-US" i="1">
+                                  <a:latin typeface="Cambria Math" panose="02040503050406030204" pitchFamily="18" charset="0"/>
+                                  <a:ea typeface="Cambria Math" panose="02040503050406030204" pitchFamily="18" charset="0"/>
+                                </a:rPr>
+                                <m:t>𝑛</m:t>
+                              </m:r>
+                            </m:sup>
+                          </m:sSup>
+                        </m:sub>
+                        <m:sup/>
+                        <m:e>
+                          <m:r>
+                            <a:rPr lang="ru-RU" i="1">
+                              <a:latin typeface="Cambria Math" panose="02040503050406030204" pitchFamily="18" charset="0"/>
+                            </a:rPr>
+                            <m:t>𝑓</m:t>
+                          </m:r>
+                          <m:d>
+                            <m:dPr>
+                              <m:ctrlPr>
+                                <a:rPr lang="ru-RU" i="1">
+                                  <a:latin typeface="Cambria Math" panose="02040503050406030204" pitchFamily="18" charset="0"/>
+                                </a:rPr>
+                              </m:ctrlPr>
+                            </m:dPr>
+                            <m:e>
+                              <m:r>
+                                <a:rPr lang="ru-RU" i="1">
+                                  <a:latin typeface="Cambria Math" panose="02040503050406030204" pitchFamily="18" charset="0"/>
+                                </a:rPr>
+                                <m:t>𝑥</m:t>
+                              </m:r>
+                            </m:e>
+                          </m:d>
+                          <m:sSup>
+                            <m:sSupPr>
+                              <m:ctrlPr>
+                                <a:rPr lang="ru-RU" i="1">
+                                  <a:latin typeface="Cambria Math" panose="02040503050406030204" pitchFamily="18" charset="0"/>
+                                </a:rPr>
+                              </m:ctrlPr>
+                            </m:sSupPr>
+                            <m:e>
+                              <m:r>
+                                <a:rPr lang="ru-RU" i="1">
+                                  <a:latin typeface="Cambria Math" panose="02040503050406030204" pitchFamily="18" charset="0"/>
+                                </a:rPr>
+                                <m:t>𝑒</m:t>
+                              </m:r>
+                            </m:e>
+                            <m:sup>
+                              <m:r>
+                                <a:rPr lang="ru-RU" i="1">
+                                  <a:latin typeface="Cambria Math" panose="02040503050406030204" pitchFamily="18" charset="0"/>
+                                </a:rPr>
+                                <m:t>−</m:t>
+                              </m:r>
+                              <m:r>
+                                <a:rPr lang="ru-RU" i="1">
+                                  <a:latin typeface="Cambria Math" panose="02040503050406030204" pitchFamily="18" charset="0"/>
+                                </a:rPr>
+                                <m:t>𝑖𝑥</m:t>
+                              </m:r>
+                              <m:r>
+                                <a:rPr lang="ru-RU" i="1">
+                                  <a:latin typeface="Cambria Math" panose="02040503050406030204" pitchFamily="18" charset="0"/>
+                                </a:rPr>
+                                <m:t>𝜔</m:t>
+                              </m:r>
+                            </m:sup>
+                          </m:sSup>
+                          <m:r>
+                            <a:rPr lang="ru-RU" i="1">
+                              <a:latin typeface="Cambria Math" panose="02040503050406030204" pitchFamily="18" charset="0"/>
+                            </a:rPr>
+                            <m:t>𝑑𝑥</m:t>
+                          </m:r>
+                        </m:e>
+                      </m:nary>
+                    </m:oMath>
+                  </m:oMathPara>
+                </a14:m>
+                <a:endParaRPr lang="en-US" dirty="0"/>
               </a:p>
               <a:p>
                 <a:r>
-                  <a:rPr lang="ru-RU" dirty="0" smtClean="0"/>
+                  <a:rPr lang="ru-RU" dirty="0"/>
                   <a:t>Обратное </a:t>
                 </a:r>
                 <a:r>
                   <a:rPr lang="ru-RU" dirty="0"/>
-                  <a:t>преобразование в этом случае задается формулой</a:t>
+                  <a:t>преобразование в этом случае задается </a:t>
                 </a:r>
-              </a:p>
-              <a:p>
-                <a:endParaRPr lang="en-US" dirty="0" smtClean="0"/>
-              </a:p>
-              <a:p>
+                <a:r>
+                  <a:rPr lang="ru-RU" dirty="0"/>
+                  <a:t>формулой</a:t>
+                </a:r>
                 <a:endParaRPr lang="en-US" dirty="0"/>
               </a:p>
               <a:p>
+                <a:pPr marL="0" indent="0">
+                  <a:buNone/>
+                </a:pPr>
+                <a14:m>
+                  <m:oMathPara xmlns:m="http://schemas.openxmlformats.org/officeDocument/2006/math">
+                    <m:oMathParaPr>
+                      <m:jc m:val="centerGroup"/>
+                    </m:oMathParaPr>
+                    <m:oMath xmlns:m="http://schemas.openxmlformats.org/officeDocument/2006/math">
+                      <m:r>
+                        <a:rPr lang="en-US" i="1">
+                          <a:latin typeface="Cambria Math" panose="02040503050406030204" pitchFamily="18" charset="0"/>
+                        </a:rPr>
+                        <m:t>𝑓</m:t>
+                      </m:r>
+                      <m:r>
+                        <a:rPr lang="ru-RU" i="1">
+                          <a:latin typeface="Cambria Math" panose="02040503050406030204" pitchFamily="18" charset="0"/>
+                        </a:rPr>
+                        <m:t>(</m:t>
+                      </m:r>
+                      <m:r>
+                        <a:rPr lang="en-US" i="1">
+                          <a:latin typeface="Cambria Math" panose="02040503050406030204" pitchFamily="18" charset="0"/>
+                        </a:rPr>
+                        <m:t>𝑥</m:t>
+                      </m:r>
+                      <m:r>
+                        <a:rPr lang="ru-RU" i="1">
+                          <a:latin typeface="Cambria Math" panose="02040503050406030204" pitchFamily="18" charset="0"/>
+                        </a:rPr>
+                        <m:t>)=</m:t>
+                      </m:r>
+                      <m:f>
+                        <m:fPr>
+                          <m:ctrlPr>
+                            <a:rPr lang="ru-RU" i="1">
+                              <a:latin typeface="Cambria Math" panose="02040503050406030204" pitchFamily="18" charset="0"/>
+                            </a:rPr>
+                          </m:ctrlPr>
+                        </m:fPr>
+                        <m:num>
+                          <m:r>
+                            <a:rPr lang="ru-RU" i="1">
+                              <a:latin typeface="Cambria Math" panose="02040503050406030204" pitchFamily="18" charset="0"/>
+                            </a:rPr>
+                            <m:t>1</m:t>
+                          </m:r>
+                        </m:num>
+                        <m:den>
+                          <m:sSup>
+                            <m:sSupPr>
+                              <m:ctrlPr>
+                                <a:rPr lang="ru-RU" i="1">
+                                  <a:latin typeface="Cambria Math" panose="02040503050406030204" pitchFamily="18" charset="0"/>
+                                </a:rPr>
+                              </m:ctrlPr>
+                            </m:sSupPr>
+                            <m:e>
+                              <m:r>
+                                <a:rPr lang="en-US" i="1">
+                                  <a:latin typeface="Cambria Math" panose="02040503050406030204" pitchFamily="18" charset="0"/>
+                                </a:rPr>
+                                <m:t>(</m:t>
+                              </m:r>
+                              <m:r>
+                                <a:rPr lang="ru-RU" i="1">
+                                  <a:latin typeface="Cambria Math" panose="02040503050406030204" pitchFamily="18" charset="0"/>
+                                </a:rPr>
+                                <m:t>2</m:t>
+                              </m:r>
+                              <m:r>
+                                <a:rPr lang="ru-RU" i="1">
+                                  <a:latin typeface="Cambria Math" panose="02040503050406030204" pitchFamily="18" charset="0"/>
+                                </a:rPr>
+                                <m:t>𝜋</m:t>
+                              </m:r>
+                              <m:r>
+                                <a:rPr lang="en-US" i="1">
+                                  <a:latin typeface="Cambria Math" panose="02040503050406030204" pitchFamily="18" charset="0"/>
+                                </a:rPr>
+                                <m:t>)</m:t>
+                              </m:r>
+                            </m:e>
+                            <m:sup>
+                              <m:f>
+                                <m:fPr>
+                                  <m:type m:val="skw"/>
+                                  <m:ctrlPr>
+                                    <a:rPr lang="ru-RU" i="1">
+                                      <a:latin typeface="Cambria Math" panose="02040503050406030204" pitchFamily="18" charset="0"/>
+                                    </a:rPr>
+                                  </m:ctrlPr>
+                                </m:fPr>
+                                <m:num>
+                                  <m:r>
+                                    <a:rPr lang="en-US" i="1">
+                                      <a:latin typeface="Cambria Math" panose="02040503050406030204" pitchFamily="18" charset="0"/>
+                                    </a:rPr>
+                                    <m:t>𝑛</m:t>
+                                  </m:r>
+                                </m:num>
+                                <m:den>
+                                  <m:r>
+                                    <a:rPr lang="en-US" i="1">
+                                      <a:latin typeface="Cambria Math" panose="02040503050406030204" pitchFamily="18" charset="0"/>
+                                    </a:rPr>
+                                    <m:t>2</m:t>
+                                  </m:r>
+                                </m:den>
+                              </m:f>
+                            </m:sup>
+                          </m:sSup>
+                        </m:den>
+                      </m:f>
+                      <m:nary>
+                        <m:naryPr>
+                          <m:limLoc m:val="undOvr"/>
+                          <m:supHide m:val="on"/>
+                          <m:ctrlPr>
+                            <a:rPr lang="ru-RU" i="1">
+                              <a:latin typeface="Cambria Math" panose="02040503050406030204" pitchFamily="18" charset="0"/>
+                            </a:rPr>
+                          </m:ctrlPr>
+                        </m:naryPr>
+                        <m:sub>
+                          <m:sSup>
+                            <m:sSupPr>
+                              <m:ctrlPr>
+                                <a:rPr lang="ru-RU" i="1">
+                                  <a:latin typeface="Cambria Math" panose="02040503050406030204" pitchFamily="18" charset="0"/>
+                                  <a:ea typeface="Cambria Math" panose="02040503050406030204" pitchFamily="18" charset="0"/>
+                                </a:rPr>
+                              </m:ctrlPr>
+                            </m:sSupPr>
+                            <m:e>
+                              <m:r>
+                                <a:rPr lang="ru-RU" i="1">
+                                  <a:latin typeface="Cambria Math" panose="02040503050406030204" pitchFamily="18" charset="0"/>
+                                  <a:ea typeface="Cambria Math" panose="02040503050406030204" pitchFamily="18" charset="0"/>
+                                </a:rPr>
+                                <m:t>ℝ</m:t>
+                              </m:r>
+                            </m:e>
+                            <m:sup>
+                              <m:r>
+                                <a:rPr lang="en-US" i="1">
+                                  <a:latin typeface="Cambria Math" panose="02040503050406030204" pitchFamily="18" charset="0"/>
+                                  <a:ea typeface="Cambria Math" panose="02040503050406030204" pitchFamily="18" charset="0"/>
+                                </a:rPr>
+                                <m:t>𝑛</m:t>
+                              </m:r>
+                            </m:sup>
+                          </m:sSup>
+                        </m:sub>
+                        <m:sup/>
+                        <m:e>
+                          <m:acc>
+                            <m:accPr>
+                              <m:chr m:val="̂"/>
+                              <m:ctrlPr>
+                                <a:rPr lang="en-US" i="1">
+                                  <a:latin typeface="Cambria Math" panose="02040503050406030204" pitchFamily="18" charset="0"/>
+                                  <a:ea typeface="Cambria Math" panose="02040503050406030204" pitchFamily="18" charset="0"/>
+                                </a:rPr>
+                              </m:ctrlPr>
+                            </m:accPr>
+                            <m:e>
+                              <m:r>
+                                <a:rPr lang="en-US" i="1">
+                                  <a:latin typeface="Cambria Math" panose="02040503050406030204" pitchFamily="18" charset="0"/>
+                                  <a:ea typeface="Cambria Math" panose="02040503050406030204" pitchFamily="18" charset="0"/>
+                                </a:rPr>
+                                <m:t>𝑓</m:t>
+                              </m:r>
+                            </m:e>
+                          </m:acc>
+                          <m:d>
+                            <m:dPr>
+                              <m:ctrlPr>
+                                <a:rPr lang="ru-RU" i="1">
+                                  <a:latin typeface="Cambria Math" panose="02040503050406030204" pitchFamily="18" charset="0"/>
+                                </a:rPr>
+                              </m:ctrlPr>
+                            </m:dPr>
+                            <m:e>
+                              <m:r>
+                                <a:rPr lang="ru-RU" i="1">
+                                  <a:latin typeface="Cambria Math" panose="02040503050406030204" pitchFamily="18" charset="0"/>
+                                  <a:ea typeface="Cambria Math" panose="02040503050406030204" pitchFamily="18" charset="0"/>
+                                </a:rPr>
+                                <m:t>𝜔</m:t>
+                              </m:r>
+                            </m:e>
+                          </m:d>
+                          <m:sSup>
+                            <m:sSupPr>
+                              <m:ctrlPr>
+                                <a:rPr lang="ru-RU" i="1">
+                                  <a:latin typeface="Cambria Math" panose="02040503050406030204" pitchFamily="18" charset="0"/>
+                                </a:rPr>
+                              </m:ctrlPr>
+                            </m:sSupPr>
+                            <m:e>
+                              <m:r>
+                                <a:rPr lang="ru-RU" i="1">
+                                  <a:latin typeface="Cambria Math" panose="02040503050406030204" pitchFamily="18" charset="0"/>
+                                </a:rPr>
+                                <m:t>𝑒</m:t>
+                              </m:r>
+                            </m:e>
+                            <m:sup>
+                              <m:r>
+                                <a:rPr lang="ru-RU" i="1">
+                                  <a:latin typeface="Cambria Math" panose="02040503050406030204" pitchFamily="18" charset="0"/>
+                                </a:rPr>
+                                <m:t>𝑖𝑥</m:t>
+                              </m:r>
+                              <m:r>
+                                <a:rPr lang="ru-RU" i="1">
+                                  <a:latin typeface="Cambria Math" panose="02040503050406030204" pitchFamily="18" charset="0"/>
+                                </a:rPr>
+                                <m:t>𝜔</m:t>
+                              </m:r>
+                            </m:sup>
+                          </m:sSup>
+                          <m:r>
+                            <a:rPr lang="ru-RU" i="1">
+                              <a:latin typeface="Cambria Math" panose="02040503050406030204" pitchFamily="18" charset="0"/>
+                            </a:rPr>
+                            <m:t>𝑑𝑥</m:t>
+                          </m:r>
+                        </m:e>
+                      </m:nary>
+                    </m:oMath>
+                  </m:oMathPara>
+                </a14:m>
+                <a:endParaRPr lang="ru-RU" dirty="0" smtClean="0"/>
+              </a:p>
+              <a:p>
+                <a:pPr marL="0" indent="0">
+                  <a:buNone/>
+                </a:pPr>
                 <a:r>
                   <a:rPr lang="ru-RU" dirty="0" smtClean="0"/>
                   <a:t>Как </a:t>
@@ -5604,7 +6268,7 @@
             </p:txBody>
           </p:sp>
         </mc:Choice>
-        <mc:Fallback xmlns="">
+        <mc:Fallback>
           <p:sp>
             <p:nvSpPr>
               <p:cNvPr id="3" name="Объект 2"/>
@@ -5619,7 +6283,7 @@
               <a:blipFill rotWithShape="0">
                 <a:blip r:embed="rId2"/>
                 <a:stretch>
-                  <a:fillRect l="-303" t="-1353"/>
+                  <a:fillRect l="-667" t="-1353"/>
                 </a:stretch>
               </a:blipFill>
             </p:spPr>
@@ -5661,88 +6325,6 @@
           </a:p>
         </p:txBody>
       </p:sp>
-      <p:pic>
-        <p:nvPicPr>
-          <p:cNvPr id="5124" name="Picture 4" descr="\hat{f}(\omega)=\frac{1}{(2\pi)^{n/2}}\int\limits_{\R^n}f(x)e^{-ix\cdot\omega}\,dx."/>
-          <p:cNvPicPr>
-            <a:picLocks noChangeAspect="1" noChangeArrowheads="1"/>
-          </p:cNvPicPr>
-          <p:nvPr/>
-        </p:nvPicPr>
-        <p:blipFill>
-          <a:blip r:embed="rId3">
-            <a:extLst>
-              <a:ext uri="{28A0092B-C50C-407E-A947-70E740481C1C}">
-                <a14:useLocalDpi xmlns:a14="http://schemas.microsoft.com/office/drawing/2010/main" val="0"/>
-              </a:ext>
-            </a:extLst>
-          </a:blip>
-          <a:srcRect/>
-          <a:stretch>
-            <a:fillRect/>
-          </a:stretch>
-        </p:blipFill>
-        <p:spPr bwMode="auto">
-          <a:xfrm>
-            <a:off x="4963696" y="2969960"/>
-            <a:ext cx="1921669" cy="407195"/>
-          </a:xfrm>
-          <a:prstGeom prst="rect">
-            <a:avLst/>
-          </a:prstGeom>
-          <a:noFill/>
-          <a:extLst>
-            <a:ext uri="{909E8E84-426E-40DD-AFC4-6F175D3DCCD1}">
-              <a14:hiddenFill xmlns:a14="http://schemas.microsoft.com/office/drawing/2010/main">
-                <a:solidFill>
-                  <a:srgbClr val="FFFFFF"/>
-                </a:solidFill>
-              </a14:hiddenFill>
-            </a:ext>
-          </a:extLst>
-        </p:spPr>
-      </p:pic>
-      <p:pic>
-        <p:nvPicPr>
-          <p:cNvPr id="5126" name="Picture 6" descr="f(x)=\frac{1}{(2\pi)^{n/2}}\int\limits_{\R^n}\hat{f}(\omega)e^{ix\cdot\omega}\,d\omega."/>
-          <p:cNvPicPr>
-            <a:picLocks noChangeAspect="1" noChangeArrowheads="1"/>
-          </p:cNvPicPr>
-          <p:nvPr/>
-        </p:nvPicPr>
-        <p:blipFill>
-          <a:blip r:embed="rId4">
-            <a:extLst>
-              <a:ext uri="{28A0092B-C50C-407E-A947-70E740481C1C}">
-                <a14:useLocalDpi xmlns:a14="http://schemas.microsoft.com/office/drawing/2010/main" val="0"/>
-              </a:ext>
-            </a:extLst>
-          </a:blip>
-          <a:srcRect/>
-          <a:stretch>
-            <a:fillRect/>
-          </a:stretch>
-        </p:blipFill>
-        <p:spPr bwMode="auto">
-          <a:xfrm>
-            <a:off x="5027989" y="4098413"/>
-            <a:ext cx="1857375" cy="407195"/>
-          </a:xfrm>
-          <a:prstGeom prst="rect">
-            <a:avLst/>
-          </a:prstGeom>
-          <a:noFill/>
-          <a:extLst>
-            <a:ext uri="{909E8E84-426E-40DD-AFC4-6F175D3DCCD1}">
-              <a14:hiddenFill xmlns:a14="http://schemas.microsoft.com/office/drawing/2010/main">
-                <a:solidFill>
-                  <a:srgbClr val="FFFFFF"/>
-                </a:solidFill>
-              </a14:hiddenFill>
-            </a:ext>
-          </a:extLst>
-        </p:spPr>
-      </p:pic>
     </p:spTree>
     <p:extLst>
       <p:ext uri="{BB962C8B-B14F-4D97-AF65-F5344CB8AC3E}">
